--- a/praesi/Praesentation.pptx
+++ b/praesi/Praesentation.pptx
@@ -3702,17 +3702,7 @@
                 <a:latin typeface="Arial" pitchFamily="34" charset="0"/>
                 <a:cs typeface="Arial" pitchFamily="34" charset="0"/>
               </a:rPr>
-              <a:t>- </a:t>
-            </a:r>
-            <a:r>
-              <a:rPr lang="de-DE" sz="2400" i="1" dirty="0" smtClean="0">
-                <a:solidFill>
-                  <a:schemeClr val="tx1"/>
-                </a:solidFill>
-                <a:latin typeface="Arial" pitchFamily="34" charset="0"/>
-                <a:cs typeface="Arial" pitchFamily="34" charset="0"/>
-              </a:rPr>
-              <a:t>Präsentation </a:t>
+              <a:t>- Präsentation </a:t>
             </a:r>
             <a:r>
               <a:rPr lang="de-DE" sz="2400" i="1" dirty="0" err="1" smtClean="0">
@@ -3788,11 +3778,11 @@
   <p:clrMapOvr>
     <a:masterClrMapping/>
   </p:clrMapOvr>
-  <mc:AlternateContent xmlns:mc="http://schemas.openxmlformats.org/markup-compatibility/2006">
-    <mc:Choice xmlns:p14="http://schemas.microsoft.com/office/powerpoint/2010/main" Requires="p14">
+  <mc:AlternateContent xmlns:mc="http://schemas.openxmlformats.org/markup-compatibility/2006" xmlns:p14="http://schemas.microsoft.com/office/powerpoint/2010/main">
+    <mc:Choice Requires="p14">
       <p:transition p14:dur="0"/>
     </mc:Choice>
-    <mc:Fallback>
+    <mc:Fallback xmlns="">
       <p:transition/>
     </mc:Fallback>
   </mc:AlternateContent>
@@ -4477,13 +4467,6 @@
               </a:rPr>
               <a:t>Publisher</a:t>
             </a:r>
-            <a:endParaRPr lang="de-DE" sz="2000" dirty="0" smtClean="0">
-              <a:solidFill>
-                <a:srgbClr val="960000"/>
-              </a:solidFill>
-              <a:latin typeface="Arial" pitchFamily="34" charset="0"/>
-              <a:cs typeface="Arial" pitchFamily="34" charset="0"/>
-            </a:endParaRPr>
           </a:p>
         </p:txBody>
       </p:sp>
@@ -4558,13 +4541,6 @@
               </a:rPr>
               <a:t>Subscriber</a:t>
             </a:r>
-            <a:endParaRPr lang="de-DE" sz="2000" dirty="0" smtClean="0">
-              <a:solidFill>
-                <a:srgbClr val="00448B"/>
-              </a:solidFill>
-              <a:latin typeface="Arial" pitchFamily="34" charset="0"/>
-              <a:cs typeface="Arial" pitchFamily="34" charset="0"/>
-            </a:endParaRPr>
           </a:p>
         </p:txBody>
       </p:sp>
@@ -4632,11 +4608,11 @@
   <p:clrMapOvr>
     <a:masterClrMapping/>
   </p:clrMapOvr>
-  <mc:AlternateContent xmlns:mc="http://schemas.openxmlformats.org/markup-compatibility/2006">
-    <mc:Choice xmlns:p14="http://schemas.microsoft.com/office/powerpoint/2010/main" Requires="p14">
+  <mc:AlternateContent xmlns:mc="http://schemas.openxmlformats.org/markup-compatibility/2006" xmlns:p14="http://schemas.microsoft.com/office/powerpoint/2010/main">
+    <mc:Choice Requires="p14">
       <p:transition p14:dur="0"/>
     </mc:Choice>
-    <mc:Fallback>
+    <mc:Fallback xmlns="">
       <p:transition/>
     </mc:Fallback>
   </mc:AlternateContent>
@@ -5496,13 +5472,6 @@
               </a:rPr>
               <a:t>Publisher</a:t>
             </a:r>
-            <a:endParaRPr lang="de-DE" sz="2000" dirty="0" smtClean="0">
-              <a:solidFill>
-                <a:srgbClr val="960000"/>
-              </a:solidFill>
-              <a:latin typeface="Arial" pitchFamily="34" charset="0"/>
-              <a:cs typeface="Arial" pitchFamily="34" charset="0"/>
-            </a:endParaRPr>
           </a:p>
         </p:txBody>
       </p:sp>
@@ -5548,13 +5517,6 @@
               </a:rPr>
               <a:t>Subscriber</a:t>
             </a:r>
-            <a:endParaRPr lang="de-DE" sz="2000" dirty="0" smtClean="0">
-              <a:solidFill>
-                <a:srgbClr val="00448B"/>
-              </a:solidFill>
-              <a:latin typeface="Arial" pitchFamily="34" charset="0"/>
-              <a:cs typeface="Arial" pitchFamily="34" charset="0"/>
-            </a:endParaRPr>
           </a:p>
         </p:txBody>
       </p:sp>
@@ -5600,13 +5562,6 @@
               </a:rPr>
               <a:t>Subscriber</a:t>
             </a:r>
-            <a:endParaRPr lang="de-DE" sz="2000" dirty="0" smtClean="0">
-              <a:solidFill>
-                <a:srgbClr val="00448B"/>
-              </a:solidFill>
-              <a:latin typeface="Arial" pitchFamily="34" charset="0"/>
-              <a:cs typeface="Arial" pitchFamily="34" charset="0"/>
-            </a:endParaRPr>
           </a:p>
         </p:txBody>
       </p:sp>
@@ -5755,13 +5710,6 @@
               </a:rPr>
               <a:t>Wahl von Subscriber mit ID #2</a:t>
             </a:r>
-            <a:endParaRPr lang="de-DE" sz="1600" dirty="0" smtClean="0">
-              <a:solidFill>
-                <a:srgbClr val="00D1C1"/>
-              </a:solidFill>
-              <a:latin typeface="Arial" pitchFamily="34" charset="0"/>
-              <a:cs typeface="Arial" pitchFamily="34" charset="0"/>
-            </a:endParaRPr>
           </a:p>
         </p:txBody>
       </p:sp>
@@ -5905,13 +5853,6 @@
               </a:rPr>
               <a:t>&gt; notifyObserverById(2)</a:t>
             </a:r>
-            <a:endParaRPr lang="de-DE" sz="1600" dirty="0" smtClean="0">
-              <a:solidFill>
-                <a:srgbClr val="00D1C1"/>
-              </a:solidFill>
-              <a:latin typeface="Arial" pitchFamily="34" charset="0"/>
-              <a:cs typeface="Arial" pitchFamily="34" charset="0"/>
-            </a:endParaRPr>
           </a:p>
         </p:txBody>
       </p:sp>
@@ -5952,11 +5893,11 @@
   <p:clrMapOvr>
     <a:masterClrMapping/>
   </p:clrMapOvr>
-  <mc:AlternateContent xmlns:mc="http://schemas.openxmlformats.org/markup-compatibility/2006">
-    <mc:Choice xmlns:p14="http://schemas.microsoft.com/office/powerpoint/2010/main" Requires="p14">
+  <mc:AlternateContent xmlns:mc="http://schemas.openxmlformats.org/markup-compatibility/2006" xmlns:p14="http://schemas.microsoft.com/office/powerpoint/2010/main">
+    <mc:Choice Requires="p14">
       <p:transition p14:dur="0"/>
     </mc:Choice>
-    <mc:Fallback>
+    <mc:Fallback xmlns="">
       <p:transition/>
     </mc:Fallback>
   </mc:AlternateContent>
@@ -6784,11 +6725,11 @@
   <p:clrMapOvr>
     <a:masterClrMapping/>
   </p:clrMapOvr>
-  <mc:AlternateContent xmlns:mc="http://schemas.openxmlformats.org/markup-compatibility/2006">
-    <mc:Choice xmlns:p14="http://schemas.microsoft.com/office/powerpoint/2010/main" Requires="p14">
+  <mc:AlternateContent xmlns:mc="http://schemas.openxmlformats.org/markup-compatibility/2006" xmlns:p14="http://schemas.microsoft.com/office/powerpoint/2010/main">
+    <mc:Choice Requires="p14">
       <p:transition p14:dur="0"/>
     </mc:Choice>
-    <mc:Fallback>
+    <mc:Fallback xmlns="">
       <p:transition/>
     </mc:Fallback>
   </mc:AlternateContent>
@@ -7280,11 +7221,11 @@
   <p:clrMapOvr>
     <a:masterClrMapping/>
   </p:clrMapOvr>
-  <mc:AlternateContent xmlns:mc="http://schemas.openxmlformats.org/markup-compatibility/2006">
-    <mc:Choice xmlns:p14="http://schemas.microsoft.com/office/powerpoint/2010/main" Requires="p14">
+  <mc:AlternateContent xmlns:mc="http://schemas.openxmlformats.org/markup-compatibility/2006" xmlns:p14="http://schemas.microsoft.com/office/powerpoint/2010/main">
+    <mc:Choice Requires="p14">
       <p:transition p14:dur="0"/>
     </mc:Choice>
-    <mc:Fallback>
+    <mc:Fallback xmlns="">
       <p:transition/>
     </mc:Fallback>
   </mc:AlternateContent>
@@ -7816,11 +7757,11 @@
   <p:clrMapOvr>
     <a:masterClrMapping/>
   </p:clrMapOvr>
-  <mc:AlternateContent xmlns:mc="http://schemas.openxmlformats.org/markup-compatibility/2006">
-    <mc:Choice xmlns:p14="http://schemas.microsoft.com/office/powerpoint/2010/main" Requires="p14">
+  <mc:AlternateContent xmlns:mc="http://schemas.openxmlformats.org/markup-compatibility/2006" xmlns:p14="http://schemas.microsoft.com/office/powerpoint/2010/main">
+    <mc:Choice Requires="p14">
       <p:transition p14:dur="0"/>
     </mc:Choice>
-    <mc:Fallback>
+    <mc:Fallback xmlns="">
       <p:transition/>
     </mc:Fallback>
   </mc:AlternateContent>
@@ -8129,11 +8070,11 @@
   <p:clrMapOvr>
     <a:masterClrMapping/>
   </p:clrMapOvr>
-  <mc:AlternateContent xmlns:mc="http://schemas.openxmlformats.org/markup-compatibility/2006">
-    <mc:Choice xmlns:p14="http://schemas.microsoft.com/office/powerpoint/2010/main" Requires="p14">
+  <mc:AlternateContent xmlns:mc="http://schemas.openxmlformats.org/markup-compatibility/2006" xmlns:p14="http://schemas.microsoft.com/office/powerpoint/2010/main">
+    <mc:Choice Requires="p14">
       <p:transition p14:dur="0"/>
     </mc:Choice>
-    <mc:Fallback>
+    <mc:Fallback xmlns="">
       <p:transition/>
     </mc:Fallback>
   </mc:AlternateContent>
@@ -8281,7 +8222,7 @@
 </file>
 
 <file path=ppt/slides/slide16.xml><?xml version="1.0" encoding="utf-8"?>
-<p:sld xmlns:a="http://schemas.openxmlformats.org/drawingml/2006/main" xmlns:r="http://schemas.openxmlformats.org/officeDocument/2006/relationships" xmlns:p="http://schemas.openxmlformats.org/presentationml/2006/main" show="0">
+<p:sld xmlns:a="http://schemas.openxmlformats.org/drawingml/2006/main" xmlns:r="http://schemas.openxmlformats.org/officeDocument/2006/relationships" xmlns:p="http://schemas.openxmlformats.org/presentationml/2006/main">
   <p:cSld>
     <p:spTree>
       <p:nvGrpSpPr>
@@ -8968,15 +8909,7 @@
           <a:p>
             <a:r>
               <a:rPr lang="de-DE" dirty="0" smtClean="0"/>
-              <a:t>Förderung </a:t>
-            </a:r>
-            <a:r>
-              <a:rPr lang="de-DE" dirty="0" smtClean="0"/>
-              <a:t>der Teamarbeit und dem </a:t>
-            </a:r>
-            <a:r>
-              <a:rPr lang="de-DE" dirty="0" smtClean="0"/>
-              <a:t>Projektmanagement</a:t>
+              <a:t>Förderung der Teamarbeit und dem Projektmanagement</a:t>
             </a:r>
           </a:p>
           <a:p>
@@ -8987,7 +8920,6 @@
               <a:rPr lang="de-DE" dirty="0" smtClean="0"/>
               <a:t>Eigene Kritikpunkte durch Codereview</a:t>
             </a:r>
-            <a:endParaRPr lang="de-DE" dirty="0" smtClean="0"/>
           </a:p>
           <a:p>
             <a:endParaRPr lang="de-DE" dirty="0" smtClean="0"/>
@@ -9004,11 +8936,11 @@
   <p:clrMapOvr>
     <a:masterClrMapping/>
   </p:clrMapOvr>
-  <mc:AlternateContent xmlns:mc="http://schemas.openxmlformats.org/markup-compatibility/2006">
-    <mc:Choice xmlns:p14="http://schemas.microsoft.com/office/powerpoint/2010/main" Requires="p14">
+  <mc:AlternateContent xmlns:mc="http://schemas.openxmlformats.org/markup-compatibility/2006" xmlns:p14="http://schemas.microsoft.com/office/powerpoint/2010/main">
+    <mc:Choice Requires="p14">
       <p:transition p14:dur="0"/>
     </mc:Choice>
-    <mc:Fallback>
+    <mc:Fallback xmlns="">
       <p:transition/>
     </mc:Fallback>
   </mc:AlternateContent>
@@ -9528,7 +9460,7 @@
   </p:clrMapOvr>
   <mc:AlternateContent xmlns:mc="http://schemas.openxmlformats.org/markup-compatibility/2006">
     <mc:Choice xmlns:p14="http://schemas.microsoft.com/office/powerpoint/2010/main" Requires="p14">
-      <p:transition p14:dur="0"/>
+      <p:transition p14:dur="10"/>
     </mc:Choice>
     <mc:Fallback>
       <p:transition/>
@@ -9629,15 +9561,6 @@
               </a:rPr>
               <a:t>Zieldefinition</a:t>
             </a:r>
-            <a:endParaRPr lang="de-DE" sz="1800" b="0" dirty="0" smtClean="0">
-              <a:solidFill>
-                <a:schemeClr val="bg1">
-                  <a:lumMod val="95000"/>
-                </a:schemeClr>
-              </a:solidFill>
-              <a:latin typeface="Arial" pitchFamily="34" charset="0"/>
-              <a:cs typeface="Arial" pitchFamily="34" charset="0"/>
-            </a:endParaRPr>
           </a:p>
         </p:txBody>
       </p:sp>
@@ -9686,15 +9609,6 @@
               </a:rPr>
               <a:t>Themenwahl und Konzeption</a:t>
             </a:r>
-            <a:endParaRPr lang="de-DE" sz="1800" b="0" dirty="0" smtClean="0">
-              <a:solidFill>
-                <a:schemeClr val="bg1">
-                  <a:lumMod val="95000"/>
-                </a:schemeClr>
-              </a:solidFill>
-              <a:latin typeface="Arial" pitchFamily="34" charset="0"/>
-              <a:cs typeface="Arial" pitchFamily="34" charset="0"/>
-            </a:endParaRPr>
           </a:p>
         </p:txBody>
       </p:sp>
@@ -9743,15 +9657,6 @@
               </a:rPr>
               <a:t>Aufbau der Anwendung</a:t>
             </a:r>
-            <a:endParaRPr lang="de-DE" sz="1800" b="0" dirty="0" smtClean="0">
-              <a:solidFill>
-                <a:schemeClr val="bg1">
-                  <a:lumMod val="95000"/>
-                </a:schemeClr>
-              </a:solidFill>
-              <a:latin typeface="Arial" pitchFamily="34" charset="0"/>
-              <a:cs typeface="Arial" pitchFamily="34" charset="0"/>
-            </a:endParaRPr>
           </a:p>
         </p:txBody>
       </p:sp>
@@ -9800,15 +9705,6 @@
               </a:rPr>
               <a:t>Besonderheiten der Architektur</a:t>
             </a:r>
-            <a:endParaRPr lang="de-DE" sz="1800" b="0" dirty="0" smtClean="0">
-              <a:solidFill>
-                <a:schemeClr val="bg1">
-                  <a:lumMod val="95000"/>
-                </a:schemeClr>
-              </a:solidFill>
-              <a:latin typeface="Arial" pitchFamily="34" charset="0"/>
-              <a:cs typeface="Arial" pitchFamily="34" charset="0"/>
-            </a:endParaRPr>
           </a:p>
         </p:txBody>
       </p:sp>
@@ -9881,15 +9777,6 @@
               </a:rPr>
               <a:t> Cases</a:t>
             </a:r>
-            <a:endParaRPr lang="de-DE" sz="1800" b="0" dirty="0" smtClean="0">
-              <a:solidFill>
-                <a:schemeClr val="bg1">
-                  <a:lumMod val="95000"/>
-                </a:schemeClr>
-              </a:solidFill>
-              <a:latin typeface="Arial" pitchFamily="34" charset="0"/>
-              <a:cs typeface="Arial" pitchFamily="34" charset="0"/>
-            </a:endParaRPr>
           </a:p>
         </p:txBody>
       </p:sp>
@@ -9938,15 +9825,6 @@
               </a:rPr>
               <a:t>Fazit</a:t>
             </a:r>
-            <a:endParaRPr lang="de-DE" sz="1800" b="0" dirty="0" smtClean="0">
-              <a:solidFill>
-                <a:schemeClr val="bg1">
-                  <a:lumMod val="95000"/>
-                </a:schemeClr>
-              </a:solidFill>
-              <a:latin typeface="Arial" pitchFamily="34" charset="0"/>
-              <a:cs typeface="Arial" pitchFamily="34" charset="0"/>
-            </a:endParaRPr>
           </a:p>
         </p:txBody>
       </p:sp>
@@ -9960,11 +9838,11 @@
   <p:clrMapOvr>
     <a:masterClrMapping/>
   </p:clrMapOvr>
-  <mc:AlternateContent xmlns:mc="http://schemas.openxmlformats.org/markup-compatibility/2006">
-    <mc:Choice xmlns:p14="http://schemas.microsoft.com/office/powerpoint/2010/main" Requires="p14">
+  <mc:AlternateContent xmlns:mc="http://schemas.openxmlformats.org/markup-compatibility/2006" xmlns:p14="http://schemas.microsoft.com/office/powerpoint/2010/main">
+    <mc:Choice Requires="p14">
       <p:transition p14:dur="0"/>
     </mc:Choice>
-    <mc:Fallback>
+    <mc:Fallback xmlns="">
       <p:transition/>
     </mc:Fallback>
   </mc:AlternateContent>
@@ -10903,11 +10781,11 @@
   <p:clrMapOvr>
     <a:masterClrMapping/>
   </p:clrMapOvr>
-  <mc:AlternateContent xmlns:mc="http://schemas.openxmlformats.org/markup-compatibility/2006">
-    <mc:Choice xmlns:p14="http://schemas.microsoft.com/office/powerpoint/2010/main" Requires="p14">
+  <mc:AlternateContent xmlns:mc="http://schemas.openxmlformats.org/markup-compatibility/2006" xmlns:p14="http://schemas.microsoft.com/office/powerpoint/2010/main">
+    <mc:Choice Requires="p14">
       <p:transition p14:dur="0"/>
     </mc:Choice>
-    <mc:Fallback>
+    <mc:Fallback xmlns="">
       <p:transition/>
     </mc:Fallback>
   </mc:AlternateContent>
@@ -11301,15 +11179,6 @@
               </a:rPr>
               <a:t>Kontakt 2</a:t>
             </a:r>
-            <a:endParaRPr lang="de-DE" sz="1800" b="0" dirty="0" smtClean="0">
-              <a:solidFill>
-                <a:schemeClr val="bg1">
-                  <a:lumMod val="95000"/>
-                </a:schemeClr>
-              </a:solidFill>
-              <a:latin typeface="Arial" pitchFamily="34" charset="0"/>
-              <a:cs typeface="Arial" pitchFamily="34" charset="0"/>
-            </a:endParaRPr>
           </a:p>
         </p:txBody>
       </p:sp>
@@ -11357,15 +11226,6 @@
               </a:rPr>
               <a:t>11.01.2015 – Temin</a:t>
             </a:r>
-            <a:endParaRPr lang="de-DE" sz="1800" b="0" dirty="0" smtClean="0">
-              <a:solidFill>
-                <a:schemeClr val="bg1">
-                  <a:lumMod val="95000"/>
-                </a:schemeClr>
-              </a:solidFill>
-              <a:latin typeface="Arial" pitchFamily="34" charset="0"/>
-              <a:cs typeface="Arial" pitchFamily="34" charset="0"/>
-            </a:endParaRPr>
           </a:p>
         </p:txBody>
       </p:sp>
@@ -11413,29 +11273,8 @@
                 <a:latin typeface="Arial" pitchFamily="34" charset="0"/>
                 <a:cs typeface="Arial" pitchFamily="34" charset="0"/>
               </a:rPr>
-              <a:t>19</a:t>
-            </a:r>
-            <a:r>
-              <a:rPr lang="de-DE" sz="1800" b="0" dirty="0" smtClean="0">
-                <a:solidFill>
-                  <a:schemeClr val="bg1">
-                    <a:lumMod val="95000"/>
-                  </a:schemeClr>
-                </a:solidFill>
-                <a:latin typeface="Arial" pitchFamily="34" charset="0"/>
-                <a:cs typeface="Arial" pitchFamily="34" charset="0"/>
-              </a:rPr>
-              <a:t>.01.2015 – Bestellung</a:t>
-            </a:r>
-            <a:endParaRPr lang="de-DE" sz="1800" b="0" dirty="0" smtClean="0">
-              <a:solidFill>
-                <a:schemeClr val="bg1">
-                  <a:lumMod val="95000"/>
-                </a:schemeClr>
-              </a:solidFill>
-              <a:latin typeface="Arial" pitchFamily="34" charset="0"/>
-              <a:cs typeface="Arial" pitchFamily="34" charset="0"/>
-            </a:endParaRPr>
+              <a:t>19.01.2015 – Bestellung</a:t>
+            </a:r>
           </a:p>
         </p:txBody>
       </p:sp>
@@ -11483,29 +11322,8 @@
                 <a:latin typeface="Arial" pitchFamily="34" charset="0"/>
                 <a:cs typeface="Arial" pitchFamily="34" charset="0"/>
               </a:rPr>
-              <a:t>12</a:t>
-            </a:r>
-            <a:r>
-              <a:rPr lang="de-DE" sz="1800" b="0" dirty="0" smtClean="0">
-                <a:solidFill>
-                  <a:schemeClr val="bg1">
-                    <a:lumMod val="95000"/>
-                  </a:schemeClr>
-                </a:solidFill>
-                <a:latin typeface="Arial" pitchFamily="34" charset="0"/>
-                <a:cs typeface="Arial" pitchFamily="34" charset="0"/>
-              </a:rPr>
-              <a:t>.01.2015 – Eingangsmail</a:t>
-            </a:r>
-            <a:endParaRPr lang="de-DE" sz="1800" b="0" dirty="0" smtClean="0">
-              <a:solidFill>
-                <a:schemeClr val="bg1">
-                  <a:lumMod val="95000"/>
-                </a:schemeClr>
-              </a:solidFill>
-              <a:latin typeface="Arial" pitchFamily="34" charset="0"/>
-              <a:cs typeface="Arial" pitchFamily="34" charset="0"/>
-            </a:endParaRPr>
+              <a:t>12.01.2015 – Eingangsmail</a:t>
+            </a:r>
           </a:p>
         </p:txBody>
       </p:sp>
@@ -11554,15 +11372,6 @@
               </a:rPr>
               <a:t>Kontakt 1</a:t>
             </a:r>
-            <a:endParaRPr lang="de-DE" sz="1800" b="0" dirty="0" smtClean="0">
-              <a:solidFill>
-                <a:schemeClr val="bg1">
-                  <a:lumMod val="95000"/>
-                </a:schemeClr>
-              </a:solidFill>
-              <a:latin typeface="Arial" pitchFamily="34" charset="0"/>
-              <a:cs typeface="Arial" pitchFamily="34" charset="0"/>
-            </a:endParaRPr>
           </a:p>
         </p:txBody>
       </p:sp>
@@ -11611,29 +11420,8 @@
                 <a:latin typeface="Arial" pitchFamily="34" charset="0"/>
                 <a:cs typeface="Arial" pitchFamily="34" charset="0"/>
               </a:rPr>
-              <a:t>02</a:t>
-            </a:r>
-            <a:r>
-              <a:rPr lang="de-DE" sz="1800" b="0" dirty="0" smtClean="0">
-                <a:solidFill>
-                  <a:schemeClr val="bg1">
-                    <a:lumMod val="95000"/>
-                  </a:schemeClr>
-                </a:solidFill>
-                <a:latin typeface="Arial" pitchFamily="34" charset="0"/>
-                <a:cs typeface="Arial" pitchFamily="34" charset="0"/>
-              </a:rPr>
-              <a:t>.01.2015 – Ausgangsmail </a:t>
-            </a:r>
-            <a:endParaRPr lang="de-DE" sz="1800" b="0" dirty="0" smtClean="0">
-              <a:solidFill>
-                <a:schemeClr val="bg1">
-                  <a:lumMod val="95000"/>
-                </a:schemeClr>
-              </a:solidFill>
-              <a:latin typeface="Arial" pitchFamily="34" charset="0"/>
-              <a:cs typeface="Arial" pitchFamily="34" charset="0"/>
-            </a:endParaRPr>
+              <a:t>02.01.2015 – Ausgangsmail </a:t>
+            </a:r>
           </a:p>
         </p:txBody>
       </p:sp>
@@ -11681,15 +11469,6 @@
               </a:rPr>
               <a:t>05.01.2015 – Telefonat </a:t>
             </a:r>
-            <a:endParaRPr lang="de-DE" sz="1800" b="0" dirty="0" smtClean="0">
-              <a:solidFill>
-                <a:schemeClr val="bg1">
-                  <a:lumMod val="95000"/>
-                </a:schemeClr>
-              </a:solidFill>
-              <a:latin typeface="Arial" pitchFamily="34" charset="0"/>
-              <a:cs typeface="Arial" pitchFamily="34" charset="0"/>
-            </a:endParaRPr>
           </a:p>
         </p:txBody>
       </p:sp>
@@ -11735,29 +11514,8 @@
                 <a:latin typeface="Arial" pitchFamily="34" charset="0"/>
                 <a:cs typeface="Arial" pitchFamily="34" charset="0"/>
               </a:rPr>
-              <a:t>20</a:t>
-            </a:r>
-            <a:r>
-              <a:rPr lang="de-DE" sz="1800" b="0" dirty="0" smtClean="0">
-                <a:solidFill>
-                  <a:schemeClr val="bg1">
-                    <a:lumMod val="95000"/>
-                  </a:schemeClr>
-                </a:solidFill>
-                <a:latin typeface="Arial" pitchFamily="34" charset="0"/>
-                <a:cs typeface="Arial" pitchFamily="34" charset="0"/>
-              </a:rPr>
-              <a:t>.01.2015 – Rechnung </a:t>
-            </a:r>
-            <a:endParaRPr lang="de-DE" sz="1800" b="0" dirty="0" smtClean="0">
-              <a:solidFill>
-                <a:schemeClr val="bg1">
-                  <a:lumMod val="95000"/>
-                </a:schemeClr>
-              </a:solidFill>
-              <a:latin typeface="Arial" pitchFamily="34" charset="0"/>
-              <a:cs typeface="Arial" pitchFamily="34" charset="0"/>
-            </a:endParaRPr>
+              <a:t>20.01.2015 – Rechnung </a:t>
+            </a:r>
           </a:p>
         </p:txBody>
       </p:sp>
@@ -11807,15 +11565,6 @@
               </a:rPr>
               <a:t>04.01.2015 – Eingangsmail</a:t>
             </a:r>
-            <a:endParaRPr lang="de-DE" sz="1800" b="0" dirty="0" smtClean="0">
-              <a:solidFill>
-                <a:schemeClr val="bg1">
-                  <a:lumMod val="95000"/>
-                </a:schemeClr>
-              </a:solidFill>
-              <a:latin typeface="Arial" pitchFamily="34" charset="0"/>
-              <a:cs typeface="Arial" pitchFamily="34" charset="0"/>
-            </a:endParaRPr>
           </a:p>
         </p:txBody>
       </p:sp>
@@ -11861,29 +11610,8 @@
                 <a:latin typeface="Arial" pitchFamily="34" charset="0"/>
                 <a:cs typeface="Arial" pitchFamily="34" charset="0"/>
               </a:rPr>
-              <a:t>20</a:t>
-            </a:r>
-            <a:r>
-              <a:rPr lang="de-DE" sz="1800" b="0" dirty="0" smtClean="0">
-                <a:solidFill>
-                  <a:schemeClr val="bg1">
-                    <a:lumMod val="95000"/>
-                  </a:schemeClr>
-                </a:solidFill>
-                <a:latin typeface="Arial" pitchFamily="34" charset="0"/>
-                <a:cs typeface="Arial" pitchFamily="34" charset="0"/>
-              </a:rPr>
-              <a:t>.01.2015 – Temin</a:t>
-            </a:r>
-            <a:endParaRPr lang="de-DE" sz="1800" b="0" dirty="0" smtClean="0">
-              <a:solidFill>
-                <a:schemeClr val="bg1">
-                  <a:lumMod val="95000"/>
-                </a:schemeClr>
-              </a:solidFill>
-              <a:latin typeface="Arial" pitchFamily="34" charset="0"/>
-              <a:cs typeface="Arial" pitchFamily="34" charset="0"/>
-            </a:endParaRPr>
+              <a:t>20.01.2015 – Temin</a:t>
+            </a:r>
           </a:p>
         </p:txBody>
       </p:sp>
@@ -11993,13 +11721,6 @@
               </a:rPr>
               <a:t>Historie</a:t>
             </a:r>
-            <a:endParaRPr lang="de-DE" sz="2800" dirty="0" smtClean="0">
-              <a:solidFill>
-                <a:srgbClr val="00448B"/>
-              </a:solidFill>
-              <a:latin typeface="Arial" pitchFamily="34" charset="0"/>
-              <a:cs typeface="Arial" pitchFamily="34" charset="0"/>
-            </a:endParaRPr>
           </a:p>
         </p:txBody>
       </p:sp>
@@ -12062,11 +11783,11 @@
   <p:clrMapOvr>
     <a:masterClrMapping/>
   </p:clrMapOvr>
-  <mc:AlternateContent xmlns:mc="http://schemas.openxmlformats.org/markup-compatibility/2006">
-    <mc:Choice xmlns:p14="http://schemas.microsoft.com/office/powerpoint/2010/main" Requires="p14">
+  <mc:AlternateContent xmlns:mc="http://schemas.openxmlformats.org/markup-compatibility/2006" xmlns:p14="http://schemas.microsoft.com/office/powerpoint/2010/main">
+    <mc:Choice Requires="p14">
       <p:transition p14:dur="0"/>
     </mc:Choice>
-    <mc:Fallback>
+    <mc:Fallback xmlns="">
       <p:transition/>
     </mc:Fallback>
   </mc:AlternateContent>
@@ -12688,11 +12409,11 @@
   <p:clrMapOvr>
     <a:masterClrMapping/>
   </p:clrMapOvr>
-  <mc:AlternateContent xmlns:mc="http://schemas.openxmlformats.org/markup-compatibility/2006">
-    <mc:Choice xmlns:p14="http://schemas.microsoft.com/office/powerpoint/2010/main" Requires="p14">
+  <mc:AlternateContent xmlns:mc="http://schemas.openxmlformats.org/markup-compatibility/2006" xmlns:p14="http://schemas.microsoft.com/office/powerpoint/2010/main">
+    <mc:Choice Requires="p14">
       <p:transition p14:dur="0"/>
     </mc:Choice>
-    <mc:Fallback>
+    <mc:Fallback xmlns="">
       <p:transition/>
     </mc:Fallback>
   </mc:AlternateContent>
@@ -13034,13 +12755,6 @@
               </a:rPr>
               <a:t> Case</a:t>
             </a:r>
-            <a:endParaRPr lang="de-DE" sz="2000" dirty="0" smtClean="0">
-              <a:solidFill>
-                <a:srgbClr val="960000"/>
-              </a:solidFill>
-              <a:latin typeface="Arial" pitchFamily="34" charset="0"/>
-              <a:cs typeface="Arial" pitchFamily="34" charset="0"/>
-            </a:endParaRPr>
           </a:p>
         </p:txBody>
       </p:sp>
@@ -13159,13 +12873,6 @@
               </a:rPr>
               <a:t>berücksichtigt</a:t>
             </a:r>
-            <a:endParaRPr lang="de-DE" sz="2000" dirty="0" smtClean="0">
-              <a:solidFill>
-                <a:srgbClr val="00448B"/>
-              </a:solidFill>
-              <a:latin typeface="Arial" pitchFamily="34" charset="0"/>
-              <a:cs typeface="Arial" pitchFamily="34" charset="0"/>
-            </a:endParaRPr>
           </a:p>
         </p:txBody>
       </p:sp>
@@ -13179,11 +12886,11 @@
   <p:clrMapOvr>
     <a:masterClrMapping/>
   </p:clrMapOvr>
-  <mc:AlternateContent xmlns:mc="http://schemas.openxmlformats.org/markup-compatibility/2006">
-    <mc:Choice xmlns:p14="http://schemas.microsoft.com/office/powerpoint/2010/main" Requires="p14">
+  <mc:AlternateContent xmlns:mc="http://schemas.openxmlformats.org/markup-compatibility/2006" xmlns:p14="http://schemas.microsoft.com/office/powerpoint/2010/main">
+    <mc:Choice Requires="p14">
       <p:transition p14:dur="0"/>
     </mc:Choice>
-    <mc:Fallback>
+    <mc:Fallback xmlns="">
       <p:transition/>
     </mc:Fallback>
   </mc:AlternateContent>
@@ -13686,11 +13393,11 @@
   <p:clrMapOvr>
     <a:masterClrMapping/>
   </p:clrMapOvr>
-  <mc:AlternateContent xmlns:mc="http://schemas.openxmlformats.org/markup-compatibility/2006">
-    <mc:Choice xmlns:p14="http://schemas.microsoft.com/office/powerpoint/2010/main" Requires="p14">
+  <mc:AlternateContent xmlns:mc="http://schemas.openxmlformats.org/markup-compatibility/2006" xmlns:p14="http://schemas.microsoft.com/office/powerpoint/2010/main">
+    <mc:Choice Requires="p14">
       <p:transition p14:dur="0"/>
     </mc:Choice>
-    <mc:Fallback>
+    <mc:Fallback xmlns="">
       <p:transition/>
     </mc:Fallback>
   </mc:AlternateContent>
@@ -13997,7 +13704,7 @@
 </file>
 
 <file path=ppt/slides/slide8.xml><?xml version="1.0" encoding="utf-8"?>
-<p:sld xmlns:a="http://schemas.openxmlformats.org/drawingml/2006/main" xmlns:r="http://schemas.openxmlformats.org/officeDocument/2006/relationships" xmlns:p="http://schemas.openxmlformats.org/presentationml/2006/main">
+<p:sld xmlns:a="http://schemas.openxmlformats.org/drawingml/2006/main" xmlns:r="http://schemas.openxmlformats.org/officeDocument/2006/relationships" xmlns:p="http://schemas.openxmlformats.org/presentationml/2006/main" show="0">
   <p:cSld>
     <p:spTree>
       <p:nvGrpSpPr>
@@ -14961,11 +14668,11 @@
   <p:clrMapOvr>
     <a:masterClrMapping/>
   </p:clrMapOvr>
-  <mc:AlternateContent xmlns:mc="http://schemas.openxmlformats.org/markup-compatibility/2006">
-    <mc:Choice xmlns:p14="http://schemas.microsoft.com/office/powerpoint/2010/main" Requires="p14">
+  <mc:AlternateContent xmlns:mc="http://schemas.openxmlformats.org/markup-compatibility/2006" xmlns:p14="http://schemas.microsoft.com/office/powerpoint/2010/main">
+    <mc:Choice Requires="p14">
       <p:transition p14:dur="0"/>
     </mc:Choice>
-    <mc:Fallback>
+    <mc:Fallback xmlns="">
       <p:transition/>
     </mc:Fallback>
   </mc:AlternateContent>
